--- a/Modeling_Phase.pptx
+++ b/Modeling_Phase.pptx
@@ -3285,7 +3285,7 @@
           <a:p>
             <a:fld id="{59041DB8-B66F-4DC8-A96E-33677E0F90FF}" type="datetimeFigureOut">
               <a:rPr lang="en-US" smtClean="0"/>
-              <a:t>7/31/2025</a:t>
+              <a:t>8/1/2025</a:t>
             </a:fld>
             <a:endParaRPr lang="en-US"/>
           </a:p>
@@ -3450,7 +3450,7 @@
           <a:p>
             <a:fld id="{DEB49C4A-65AC-492D-9701-81B46C3AD0E4}" type="datetimeFigureOut">
               <a:rPr lang="en-US" smtClean="0"/>
-              <a:t>7/31/2025</a:t>
+              <a:t>8/1/2025</a:t>
             </a:fld>
             <a:endParaRPr lang="en-US"/>
           </a:p>
@@ -5945,7 +5945,7 @@
           <a:p>
             <a:fld id="{384A29A4-78C8-47AB-BA06-22CB45938951}" type="datetime1">
               <a:rPr lang="en-US" smtClean="0"/>
-              <a:t>7/31/2025</a:t>
+              <a:t>8/1/2025</a:t>
             </a:fld>
             <a:endParaRPr lang="en-US"/>
           </a:p>
@@ -6140,7 +6140,7 @@
           <a:p>
             <a:fld id="{E1ED4ACF-2D82-46F2-A8E9-23963AA34E86}" type="datetime1">
               <a:rPr lang="en-US" smtClean="0"/>
-              <a:t>7/31/2025</a:t>
+              <a:t>8/1/2025</a:t>
             </a:fld>
             <a:endParaRPr lang="en-US"/>
           </a:p>
@@ -6325,7 +6325,7 @@
           <a:p>
             <a:fld id="{AE374B5B-21A0-4192-BF4C-38187F1A68D8}" type="datetime1">
               <a:rPr lang="en-US" smtClean="0"/>
-              <a:t>7/31/2025</a:t>
+              <a:t>8/1/2025</a:t>
             </a:fld>
             <a:endParaRPr lang="en-US"/>
           </a:p>
@@ -8668,7 +8668,7 @@
           <a:p>
             <a:fld id="{33B5CF7C-B333-48E1-A4A6-83A3C8B73AC0}" type="datetime1">
               <a:rPr lang="en-US" smtClean="0"/>
-              <a:t>7/31/2025</a:t>
+              <a:t>8/1/2025</a:t>
             </a:fld>
             <a:endParaRPr lang="en-US"/>
           </a:p>
@@ -9123,7 +9123,7 @@
           <a:p>
             <a:fld id="{AE320762-5CBF-4210-AB54-376B091119F8}" type="datetime1">
               <a:rPr lang="en-US" smtClean="0"/>
-              <a:t>7/31/2025</a:t>
+              <a:t>8/1/2025</a:t>
             </a:fld>
             <a:endParaRPr lang="en-US"/>
           </a:p>
@@ -9256,7 +9256,7 @@
           <a:p>
             <a:fld id="{7F0DB371-BF5F-4058-A212-1A908E4D2674}" type="datetime1">
               <a:rPr lang="en-US" smtClean="0"/>
-              <a:t>7/31/2025</a:t>
+              <a:t>8/1/2025</a:t>
             </a:fld>
             <a:endParaRPr lang="en-US"/>
           </a:p>
@@ -11189,7 +11189,7 @@
           <a:p>
             <a:fld id="{60A4083B-90AA-48CF-BAD5-00AA24D7F288}" type="datetime1">
               <a:rPr lang="en-US" smtClean="0"/>
-              <a:t>7/31/2025</a:t>
+              <a:t>8/1/2025</a:t>
             </a:fld>
             <a:endParaRPr lang="en-US"/>
           </a:p>
@@ -13448,7 +13448,7 @@
             <a:fld id="{F5BAF629-ECA2-4CF3-B790-9D9BDED98269}" type="datetime1">
               <a:rPr lang="en-US" smtClean="0"/>
               <a:pPr/>
-              <a:t>7/31/2025</a:t>
+              <a:t>8/1/2025</a:t>
             </a:fld>
             <a:endParaRPr lang="en-US"/>
           </a:p>
@@ -17745,7 +17745,7 @@
             <a:fld id="{B51B2453-8663-4C69-AF73-9FD7B1DEC5D0}" type="datetime1">
               <a:rPr lang="en-US" smtClean="0"/>
               <a:pPr/>
-              <a:t>7/31/2025</a:t>
+              <a:t>8/1/2025</a:t>
             </a:fld>
             <a:endParaRPr lang="en-US" dirty="0"/>
           </a:p>
@@ -19184,7 +19184,7 @@
             <p:ph sz="half" idx="2"/>
             <p:extLst>
               <p:ext uri="{D42A27DB-BD31-4B8C-83A1-F6EECF244321}">
-                <p14:modId xmlns:p14="http://schemas.microsoft.com/office/powerpoint/2010/main" val="2391813982"/>
+                <p14:modId xmlns:p14="http://schemas.microsoft.com/office/powerpoint/2010/main" val="1159525264"/>
               </p:ext>
             </p:extLst>
           </p:nvPr>
@@ -19269,7 +19269,7 @@
                     <a:p>
                       <a:r>
                         <a:rPr lang="en-US" sz="1600" dirty="0"/>
-                        <a:t>The logical/physical group to which the node belongs</a:t>
+                        <a:t>The logical/physical group to which the node belongs ( cluster )</a:t>
                       </a:r>
                     </a:p>
                   </a:txBody>
@@ -19929,52 +19929,36 @@
         <p:spPr/>
         <p:txBody>
           <a:bodyPr>
-            <a:normAutofit lnSpcReduction="10000"/>
+            <a:normAutofit/>
           </a:bodyPr>
           <a:lstStyle/>
           <a:p>
             <a:r>
               <a:rPr lang="en-US" dirty="0"/>
-              <a:t>Greedy ( Dijkstra ):</a:t>
+              <a:t>Greedy ( </a:t>
             </a:r>
-          </a:p>
-          <a:p>
-            <a:pPr lvl="1"/>
             <a:r>
-              <a:rPr lang="en-US" sz="1600" i="1" dirty="0"/>
-              <a:t>Starting from each leaf node, the algorithm searches for the shortest path to the central controller (CC) using only edge latency as the metric. Once found, it evaluates the path by summing the latencies of the edges and the processing times of the PDC nodes along the way.</a:t>
+              <a:rPr lang="en-US"/>
+              <a:t>Dijkstra )</a:t>
             </a:r>
-            <a:endParaRPr lang="en-US" sz="1700" i="1" dirty="0"/>
+            <a:endParaRPr lang="en-US" dirty="0"/>
           </a:p>
           <a:p>
             <a:r>
               <a:rPr lang="en-US" dirty="0"/>
-              <a:t>Random approach:</a:t>
+              <a:t>Random approach</a:t>
             </a:r>
-          </a:p>
-          <a:p>
-            <a:pPr lvl="1"/>
-            <a:r>
-              <a:rPr lang="en-US" sz="1600" i="1" dirty="0"/>
-              <a:t>For each PMU, a path is built towards the central node (CC) by randomly selecting valid adjacent nodes (online, connected by 'up' edges, and not PMUs); each candidate node traversed is marked as a PDC, and the process continues until the CC is reached, summing edge latency and PDC processing times.</a:t>
-            </a:r>
-            <a:endParaRPr lang="en-US" sz="1700" i="1" dirty="0"/>
           </a:p>
           <a:p>
             <a:r>
               <a:rPr lang="en-US" dirty="0"/>
-              <a:t>Brute force:</a:t>
+              <a:t>Brute force</a:t>
             </a:r>
           </a:p>
           <a:p>
-            <a:pPr lvl="1"/>
-            <a:r>
-              <a:rPr lang="en-US" sz="1600" i="1" dirty="0"/>
-              <a:t>The algorithm starts by placing a single PDC and checking all possible paths from each PMU to the CC with that placement, saving the fastest valid paths when they exist. The process continues by gradually adding more PDCs, up to the maximum (i.e., all candidate nodes).</a:t>
-            </a:r>
-            <a:endParaRPr lang="en-US" sz="1700" i="1" dirty="0"/>
-          </a:p>
-          <a:p>
+            <a:pPr marL="0" indent="0">
+              <a:buNone/>
+            </a:pPr>
             <a:endParaRPr lang="en-US" dirty="0"/>
           </a:p>
         </p:txBody>
